--- a/Week 1 Presentation.pptx
+++ b/Week 1 Presentation.pptx
@@ -5,15 +5,18 @@
     <p:sldMasterId id="2147483719" r:id="rId1"/>
   </p:sldMasterIdLst>
   <p:notesMasterIdLst>
-    <p:notesMasterId r:id="rId5"/>
+    <p:notesMasterId r:id="rId8"/>
   </p:notesMasterIdLst>
   <p:handoutMasterIdLst>
-    <p:handoutMasterId r:id="rId6"/>
+    <p:handoutMasterId r:id="rId9"/>
   </p:handoutMasterIdLst>
   <p:sldIdLst>
     <p:sldId id="256" r:id="rId2"/>
     <p:sldId id="257" r:id="rId3"/>
     <p:sldId id="258" r:id="rId4"/>
+    <p:sldId id="259" r:id="rId5"/>
+    <p:sldId id="260" r:id="rId6"/>
+    <p:sldId id="261" r:id="rId7"/>
   </p:sldIdLst>
   <p:sldSz cx="12192000" cy="6858000"/>
   <p:notesSz cx="6858000" cy="9144000"/>
@@ -153,6 +156,150 @@
 </p:presentation>
 </file>
 
+<file path=ppt/revisionInfo.xml><?xml version="1.0" encoding="utf-8"?>
+<p1510:revInfo xmlns:a="http://schemas.openxmlformats.org/drawingml/2006/main" xmlns:r="http://schemas.openxmlformats.org/officeDocument/2006/relationships" xmlns:p1510="http://schemas.microsoft.com/office/powerpoint/2015/10/main">
+  <p1510:revLst>
+    <p1510:client id="{CEB8C8C6-9D67-4266-8CB5-8FAD24BEFCCB}" v="26" dt="2025-11-14T09:40:40.251"/>
+  </p1510:revLst>
+</p1510:revInfo>
+</file>
+
+<file path=ppt/changesInfos/changesInfo1.xml><?xml version="1.0" encoding="utf-8"?>
+<pc:chgInfo xmlns:a="http://schemas.openxmlformats.org/drawingml/2006/main" xmlns:r="http://schemas.openxmlformats.org/officeDocument/2006/relationships" xmlns:ac="http://schemas.microsoft.com/office/drawing/2013/main/command" xmlns:pc="http://schemas.microsoft.com/office/powerpoint/2013/main/command">
+  <pc:docChgLst>
+    <pc:chgData name="Sperazza, Steven" userId="88d11d78-7472-46bd-9ff9-de49b1f4a2a3" providerId="ADAL" clId="{E13AEB23-3EB9-495D-8AC2-99148E8982BE}"/>
+    <pc:docChg chg="custSel addSld delSld modSld">
+      <pc:chgData name="Sperazza, Steven" userId="88d11d78-7472-46bd-9ff9-de49b1f4a2a3" providerId="ADAL" clId="{E13AEB23-3EB9-495D-8AC2-99148E8982BE}" dt="2025-11-14T09:40:40.251" v="196" actId="1076"/>
+      <pc:docMkLst>
+        <pc:docMk/>
+      </pc:docMkLst>
+      <pc:sldChg chg="addSp delSp modSp mod">
+        <pc:chgData name="Sperazza, Steven" userId="88d11d78-7472-46bd-9ff9-de49b1f4a2a3" providerId="ADAL" clId="{E13AEB23-3EB9-495D-8AC2-99148E8982BE}" dt="2025-11-14T09:40:40.251" v="196" actId="1076"/>
+        <pc:sldMkLst>
+          <pc:docMk/>
+          <pc:sldMk cId="1615947237" sldId="256"/>
+        </pc:sldMkLst>
+        <pc:spChg chg="mod">
+          <ac:chgData name="Sperazza, Steven" userId="88d11d78-7472-46bd-9ff9-de49b1f4a2a3" providerId="ADAL" clId="{E13AEB23-3EB9-495D-8AC2-99148E8982BE}" dt="2025-11-14T09:35:36.342" v="127" actId="404"/>
+          <ac:spMkLst>
+            <pc:docMk/>
+            <pc:sldMk cId="1615947237" sldId="256"/>
+            <ac:spMk id="5" creationId="{00000000-0000-0000-0000-000000000000}"/>
+          </ac:spMkLst>
+        </pc:spChg>
+        <pc:spChg chg="mod">
+          <ac:chgData name="Sperazza, Steven" userId="88d11d78-7472-46bd-9ff9-de49b1f4a2a3" providerId="ADAL" clId="{E13AEB23-3EB9-495D-8AC2-99148E8982BE}" dt="2025-11-14T09:34:50.522" v="39" actId="20577"/>
+          <ac:spMkLst>
+            <pc:docMk/>
+            <pc:sldMk cId="1615947237" sldId="256"/>
+            <ac:spMk id="6" creationId="{00000000-0000-0000-0000-000000000000}"/>
+          </ac:spMkLst>
+        </pc:spChg>
+        <pc:spChg chg="mod">
+          <ac:chgData name="Sperazza, Steven" userId="88d11d78-7472-46bd-9ff9-de49b1f4a2a3" providerId="ADAL" clId="{E13AEB23-3EB9-495D-8AC2-99148E8982BE}" dt="2025-11-14T09:36:29.711" v="130" actId="14100"/>
+          <ac:spMkLst>
+            <pc:docMk/>
+            <pc:sldMk cId="1615947237" sldId="256"/>
+            <ac:spMk id="7" creationId="{00000000-0000-0000-0000-000000000000}"/>
+          </ac:spMkLst>
+        </pc:spChg>
+        <pc:spChg chg="add mod">
+          <ac:chgData name="Sperazza, Steven" userId="88d11d78-7472-46bd-9ff9-de49b1f4a2a3" providerId="ADAL" clId="{E13AEB23-3EB9-495D-8AC2-99148E8982BE}" dt="2025-11-14T09:40:40.251" v="196" actId="1076"/>
+          <ac:spMkLst>
+            <pc:docMk/>
+            <pc:sldMk cId="1615947237" sldId="256"/>
+            <ac:spMk id="12" creationId="{46C1B078-477B-FAE8-00FE-77FCFC3EE7BE}"/>
+          </ac:spMkLst>
+        </pc:spChg>
+        <pc:grpChg chg="add mod">
+          <ac:chgData name="Sperazza, Steven" userId="88d11d78-7472-46bd-9ff9-de49b1f4a2a3" providerId="ADAL" clId="{E13AEB23-3EB9-495D-8AC2-99148E8982BE}" dt="2025-11-14T09:40:40.251" v="196" actId="1076"/>
+          <ac:grpSpMkLst>
+            <pc:docMk/>
+            <pc:sldMk cId="1615947237" sldId="256"/>
+            <ac:grpSpMk id="13" creationId="{A2CC8870-6820-58A2-D474-814C82FF4A11}"/>
+          </ac:grpSpMkLst>
+        </pc:grpChg>
+        <pc:picChg chg="add del mod">
+          <ac:chgData name="Sperazza, Steven" userId="88d11d78-7472-46bd-9ff9-de49b1f4a2a3" providerId="ADAL" clId="{E13AEB23-3EB9-495D-8AC2-99148E8982BE}" dt="2025-11-14T09:38:47.943" v="145" actId="478"/>
+          <ac:picMkLst>
+            <pc:docMk/>
+            <pc:sldMk cId="1615947237" sldId="256"/>
+            <ac:picMk id="3" creationId="{215A2997-F1F1-5A47-B9C6-33E22A10093B}"/>
+          </ac:picMkLst>
+        </pc:picChg>
+        <pc:picChg chg="add del mod">
+          <ac:chgData name="Sperazza, Steven" userId="88d11d78-7472-46bd-9ff9-de49b1f4a2a3" providerId="ADAL" clId="{E13AEB23-3EB9-495D-8AC2-99148E8982BE}" dt="2025-11-14T09:37:58.088" v="137" actId="478"/>
+          <ac:picMkLst>
+            <pc:docMk/>
+            <pc:sldMk cId="1615947237" sldId="256"/>
+            <ac:picMk id="1026" creationId="{5D9BBE7B-6BC6-9780-8A07-C39FA5745370}"/>
+          </ac:picMkLst>
+        </pc:picChg>
+        <pc:picChg chg="add mod">
+          <ac:chgData name="Sperazza, Steven" userId="88d11d78-7472-46bd-9ff9-de49b1f4a2a3" providerId="ADAL" clId="{E13AEB23-3EB9-495D-8AC2-99148E8982BE}" dt="2025-11-14T09:40:40.251" v="196" actId="1076"/>
+          <ac:picMkLst>
+            <pc:docMk/>
+            <pc:sldMk cId="1615947237" sldId="256"/>
+            <ac:picMk id="1028" creationId="{B22B37C5-5E51-354A-1C5C-EBBECA679450}"/>
+          </ac:picMkLst>
+        </pc:picChg>
+        <pc:cxnChg chg="add mod">
+          <ac:chgData name="Sperazza, Steven" userId="88d11d78-7472-46bd-9ff9-de49b1f4a2a3" providerId="ADAL" clId="{E13AEB23-3EB9-495D-8AC2-99148E8982BE}" dt="2025-11-14T09:40:40.251" v="196" actId="1076"/>
+          <ac:cxnSpMkLst>
+            <pc:docMk/>
+            <pc:sldMk cId="1615947237" sldId="256"/>
+            <ac:cxnSpMk id="8" creationId="{68C4C06A-F944-DB49-0371-343F9DD0BB92}"/>
+          </ac:cxnSpMkLst>
+        </pc:cxnChg>
+        <pc:cxnChg chg="add mod">
+          <ac:chgData name="Sperazza, Steven" userId="88d11d78-7472-46bd-9ff9-de49b1f4a2a3" providerId="ADAL" clId="{E13AEB23-3EB9-495D-8AC2-99148E8982BE}" dt="2025-11-14T09:40:40.251" v="196" actId="1076"/>
+          <ac:cxnSpMkLst>
+            <pc:docMk/>
+            <pc:sldMk cId="1615947237" sldId="256"/>
+            <ac:cxnSpMk id="9" creationId="{FE19BCF4-C4E1-6905-7E2E-D1E9AC8B9C97}"/>
+          </ac:cxnSpMkLst>
+        </pc:cxnChg>
+      </pc:sldChg>
+      <pc:sldChg chg="del">
+        <pc:chgData name="Sperazza, Steven" userId="88d11d78-7472-46bd-9ff9-de49b1f4a2a3" providerId="ADAL" clId="{E13AEB23-3EB9-495D-8AC2-99148E8982BE}" dt="2025-11-14T09:34:57.898" v="61" actId="47"/>
+        <pc:sldMkLst>
+          <pc:docMk/>
+          <pc:sldMk cId="242822414" sldId="258"/>
+        </pc:sldMkLst>
+      </pc:sldChg>
+      <pc:sldChg chg="add">
+        <pc:chgData name="Sperazza, Steven" userId="88d11d78-7472-46bd-9ff9-de49b1f4a2a3" providerId="ADAL" clId="{E13AEB23-3EB9-495D-8AC2-99148E8982BE}" dt="2025-11-14T09:34:58.960" v="62"/>
+        <pc:sldMkLst>
+          <pc:docMk/>
+          <pc:sldMk cId="277499522" sldId="258"/>
+        </pc:sldMkLst>
+      </pc:sldChg>
+      <pc:sldChg chg="add">
+        <pc:chgData name="Sperazza, Steven" userId="88d11d78-7472-46bd-9ff9-de49b1f4a2a3" providerId="ADAL" clId="{E13AEB23-3EB9-495D-8AC2-99148E8982BE}" dt="2025-11-14T09:34:59.268" v="63"/>
+        <pc:sldMkLst>
+          <pc:docMk/>
+          <pc:sldMk cId="1248453334" sldId="259"/>
+        </pc:sldMkLst>
+      </pc:sldChg>
+      <pc:sldChg chg="add">
+        <pc:chgData name="Sperazza, Steven" userId="88d11d78-7472-46bd-9ff9-de49b1f4a2a3" providerId="ADAL" clId="{E13AEB23-3EB9-495D-8AC2-99148E8982BE}" dt="2025-11-14T09:34:59.657" v="64"/>
+        <pc:sldMkLst>
+          <pc:docMk/>
+          <pc:sldMk cId="208586064" sldId="260"/>
+        </pc:sldMkLst>
+      </pc:sldChg>
+      <pc:sldChg chg="add">
+        <pc:chgData name="Sperazza, Steven" userId="88d11d78-7472-46bd-9ff9-de49b1f4a2a3" providerId="ADAL" clId="{E13AEB23-3EB9-495D-8AC2-99148E8982BE}" dt="2025-11-14T09:35:00.615" v="65"/>
+        <pc:sldMkLst>
+          <pc:docMk/>
+          <pc:sldMk cId="3951904240" sldId="261"/>
+        </pc:sldMkLst>
+      </pc:sldChg>
+    </pc:docChg>
+  </pc:docChgLst>
+</pc:chgInfo>
+</file>
+
 <file path=ppt/handoutMasters/handoutMaster1.xml><?xml version="1.0" encoding="utf-8"?>
 <p:handoutMaster xmlns:a="http://schemas.openxmlformats.org/drawingml/2006/main" xmlns:r="http://schemas.openxmlformats.org/officeDocument/2006/relationships" xmlns:p="http://schemas.openxmlformats.org/presentationml/2006/main">
   <p:cSld>
@@ -247,7 +394,7 @@
           <a:p>
             <a:fld id="{84B85B03-F712-974C-A1D8-1F9A468F5B60}" type="datetimeFigureOut">
               <a:rPr lang="en-US" smtClean="0"/>
-              <a:t>10/25/23</a:t>
+              <a:t>11/14/2025</a:t>
             </a:fld>
             <a:endParaRPr lang="en-US"/>
           </a:p>
@@ -424,7 +571,7 @@
           <a:p>
             <a:fld id="{8033EF3F-35E2-3B43-BF81-CFC248C52316}" type="datetimeFigureOut">
               <a:rPr lang="en-US" smtClean="0"/>
-              <a:t>10/25/23</a:t>
+              <a:t>11/14/2025</a:t>
             </a:fld>
             <a:endParaRPr lang="en-US"/>
           </a:p>
@@ -1156,7 +1303,7 @@
               <a:pPr>
                 <a:defRPr/>
               </a:pPr>
-              <a:t>10/25/23</a:t>
+              <a:t>11/14/2025</a:t>
             </a:fld>
             <a:endParaRPr lang="en-US" dirty="0"/>
           </a:p>
@@ -1448,7 +1595,7 @@
               <a:pPr>
                 <a:defRPr/>
               </a:pPr>
-              <a:t>10/25/23</a:t>
+              <a:t>11/14/2025</a:t>
             </a:fld>
             <a:endParaRPr lang="en-US" dirty="0"/>
           </a:p>
@@ -1801,7 +1948,7 @@
               <a:pPr>
                 <a:defRPr/>
               </a:pPr>
-              <a:t>10/25/23</a:t>
+              <a:t>11/14/2025</a:t>
             </a:fld>
             <a:endParaRPr lang="en-US" dirty="0"/>
           </a:p>
@@ -2351,7 +2498,7 @@
               <a:pPr>
                 <a:defRPr/>
               </a:pPr>
-              <a:t>10/25/23</a:t>
+              <a:t>11/14/2025</a:t>
             </a:fld>
             <a:endParaRPr lang="en-US" dirty="0"/>
           </a:p>
@@ -2617,7 +2764,7 @@
               <a:pPr>
                 <a:defRPr/>
               </a:pPr>
-              <a:t>10/25/23</a:t>
+              <a:t>11/14/2025</a:t>
             </a:fld>
             <a:endParaRPr lang="en-US" dirty="0"/>
           </a:p>
@@ -3006,7 +3153,7 @@
               <a:pPr>
                 <a:defRPr/>
               </a:pPr>
-              <a:t>10/25/23</a:t>
+              <a:t>11/14/2025</a:t>
             </a:fld>
             <a:endParaRPr lang="en-US" dirty="0"/>
           </a:p>
@@ -3240,7 +3387,7 @@
               <a:pPr>
                 <a:defRPr/>
               </a:pPr>
-              <a:t>10/25/23</a:t>
+              <a:t>11/14/2025</a:t>
             </a:fld>
             <a:endParaRPr lang="en-US" dirty="0"/>
           </a:p>
@@ -3479,7 +3626,7 @@
               <a:pPr>
                 <a:defRPr/>
               </a:pPr>
-              <a:t>10/25/23</a:t>
+              <a:t>11/14/2025</a:t>
             </a:fld>
             <a:endParaRPr lang="en-US" dirty="0"/>
           </a:p>
@@ -3726,7 +3873,7 @@
               <a:pPr>
                 <a:defRPr/>
               </a:pPr>
-              <a:t>10/25/23</a:t>
+              <a:t>11/14/2025</a:t>
             </a:fld>
             <a:endParaRPr lang="en-US" dirty="0"/>
           </a:p>
@@ -6083,7 +6230,7 @@
               <a:pPr>
                 <a:defRPr/>
               </a:pPr>
-              <a:t>10/25/23</a:t>
+              <a:t>11/14/2025</a:t>
             </a:fld>
             <a:endParaRPr lang="en-US" dirty="0"/>
           </a:p>
@@ -6459,7 +6606,7 @@
               <a:pPr>
                 <a:defRPr/>
               </a:pPr>
-              <a:t>10/25/23</a:t>
+              <a:t>11/14/2025</a:t>
             </a:fld>
             <a:endParaRPr lang="en-US" dirty="0"/>
           </a:p>
@@ -7087,7 +7234,14 @@
           <a:bodyPr/>
           <a:lstStyle/>
           <a:p>
-            <a:endParaRPr lang="en-GB" dirty="0"/>
+            <a:r>
+              <a:rPr lang="en-GB" dirty="0" err="1"/>
+              <a:t>GenHack</a:t>
+            </a:r>
+            <a:r>
+              <a:rPr lang="en-GB" dirty="0"/>
+              <a:t> IV</a:t>
+            </a:r>
           </a:p>
         </p:txBody>
       </p:sp>
@@ -7106,7 +7260,18 @@
           <a:bodyPr/>
           <a:lstStyle/>
           <a:p>
-            <a:endParaRPr lang="en-US"/>
+            <a:r>
+              <a:rPr lang="en-US" dirty="0"/>
+              <a:t>Andy Deng, Daniel </a:t>
+            </a:r>
+            <a:r>
+              <a:rPr lang="en-US" dirty="0" err="1"/>
+              <a:t>Huenco</a:t>
+            </a:r>
+            <a:r>
+              <a:rPr lang="en-US" dirty="0"/>
+              <a:t>, Teddy Ross, and Steve Sperazza</a:t>
+            </a:r>
           </a:p>
         </p:txBody>
       </p:sp>
@@ -7125,10 +7290,217 @@
           <a:bodyPr/>
           <a:lstStyle/>
           <a:p>
+            <a:r>
+              <a:rPr lang="en-GB" dirty="0"/>
+              <a:t>Some Like It Hot</a:t>
+            </a:r>
+            <a:br>
+              <a:rPr lang="en-GB" dirty="0"/>
+            </a:br>
+            <a:r>
+              <a:rPr lang="en-GB" sz="2800" i="1" dirty="0"/>
+              <a:t>Week 1 Presentation</a:t>
+            </a:r>
+            <a:br>
+              <a:rPr lang="en-GB" i="1" dirty="0"/>
+            </a:br>
             <a:endParaRPr lang="en-GB" dirty="0"/>
           </a:p>
         </p:txBody>
       </p:sp>
+      <p:grpSp>
+        <p:nvGrpSpPr>
+          <p:cNvPr id="13" name="Group 12">
+            <a:extLst>
+              <a:ext uri="{FF2B5EF4-FFF2-40B4-BE49-F238E27FC236}">
+                <a16:creationId xmlns:a16="http://schemas.microsoft.com/office/drawing/2014/main" id="{A2CC8870-6820-58A2-D474-814C82FF4A11}"/>
+              </a:ext>
+            </a:extLst>
+          </p:cNvPr>
+          <p:cNvGrpSpPr/>
+          <p:nvPr/>
+        </p:nvGrpSpPr>
+        <p:grpSpPr>
+          <a:xfrm>
+            <a:off x="6060042" y="1700709"/>
+            <a:ext cx="4376791" cy="4376791"/>
+            <a:chOff x="6441895" y="1611211"/>
+            <a:chExt cx="4376791" cy="4376791"/>
+          </a:xfrm>
+        </p:grpSpPr>
+        <p:pic>
+          <p:nvPicPr>
+            <p:cNvPr id="1028" name="Picture 4" descr="Some Like It Hot - Cheap Theatre Tickets - London Theatre to be announced">
+              <a:extLst>
+                <a:ext uri="{FF2B5EF4-FFF2-40B4-BE49-F238E27FC236}">
+                  <a16:creationId xmlns:a16="http://schemas.microsoft.com/office/drawing/2014/main" id="{B22B37C5-5E51-354A-1C5C-EBBECA679450}"/>
+                </a:ext>
+              </a:extLst>
+            </p:cNvPr>
+            <p:cNvPicPr>
+              <a:picLocks noChangeAspect="1" noChangeArrowheads="1"/>
+            </p:cNvPicPr>
+            <p:nvPr/>
+          </p:nvPicPr>
+          <p:blipFill>
+            <a:blip r:embed="rId2">
+              <a:extLst>
+                <a:ext uri="{28A0092B-C50C-407E-A947-70E740481C1C}">
+                  <a14:useLocalDpi xmlns:a14="http://schemas.microsoft.com/office/drawing/2010/main" val="0"/>
+                </a:ext>
+              </a:extLst>
+            </a:blip>
+            <a:srcRect/>
+            <a:stretch>
+              <a:fillRect/>
+            </a:stretch>
+          </p:blipFill>
+          <p:spPr bwMode="auto">
+            <a:xfrm>
+              <a:off x="6441895" y="1611211"/>
+              <a:ext cx="4376791" cy="4376791"/>
+            </a:xfrm>
+            <a:prstGeom prst="rect">
+              <a:avLst/>
+            </a:prstGeom>
+            <a:noFill/>
+            <a:extLst>
+              <a:ext uri="{909E8E84-426E-40DD-AFC4-6F175D3DCCD1}">
+                <a14:hiddenFill xmlns:a14="http://schemas.microsoft.com/office/drawing/2010/main">
+                  <a:solidFill>
+                    <a:srgbClr val="FFFFFF"/>
+                  </a:solidFill>
+                </a14:hiddenFill>
+              </a:ext>
+            </a:extLst>
+          </p:spPr>
+        </p:pic>
+        <p:cxnSp>
+          <p:nvCxnSpPr>
+            <p:cNvPr id="8" name="Straight Connector 7">
+              <a:extLst>
+                <a:ext uri="{FF2B5EF4-FFF2-40B4-BE49-F238E27FC236}">
+                  <a16:creationId xmlns:a16="http://schemas.microsoft.com/office/drawing/2014/main" id="{68C4C06A-F944-DB49-0371-343F9DD0BB92}"/>
+                </a:ext>
+              </a:extLst>
+            </p:cNvPr>
+            <p:cNvCxnSpPr/>
+            <p:nvPr/>
+          </p:nvCxnSpPr>
+          <p:spPr>
+            <a:xfrm flipV="1">
+              <a:off x="9454551" y="3631721"/>
+              <a:ext cx="345057" cy="60385"/>
+            </a:xfrm>
+            <a:prstGeom prst="line">
+              <a:avLst/>
+            </a:prstGeom>
+            <a:ln>
+              <a:solidFill>
+                <a:srgbClr val="FF0000"/>
+              </a:solidFill>
+            </a:ln>
+          </p:spPr>
+          <p:style>
+            <a:lnRef idx="1">
+              <a:schemeClr val="accent1"/>
+            </a:lnRef>
+            <a:fillRef idx="0">
+              <a:schemeClr val="accent1"/>
+            </a:fillRef>
+            <a:effectRef idx="0">
+              <a:schemeClr val="accent1"/>
+            </a:effectRef>
+            <a:fontRef idx="minor">
+              <a:schemeClr val="tx1"/>
+            </a:fontRef>
+          </p:style>
+        </p:cxnSp>
+        <p:cxnSp>
+          <p:nvCxnSpPr>
+            <p:cNvPr id="9" name="Straight Connector 8">
+              <a:extLst>
+                <a:ext uri="{FF2B5EF4-FFF2-40B4-BE49-F238E27FC236}">
+                  <a16:creationId xmlns:a16="http://schemas.microsoft.com/office/drawing/2014/main" id="{FE19BCF4-C4E1-6905-7E2E-D1E9AC8B9C97}"/>
+                </a:ext>
+              </a:extLst>
+            </p:cNvPr>
+            <p:cNvCxnSpPr>
+              <a:cxnSpLocks/>
+            </p:cNvCxnSpPr>
+            <p:nvPr/>
+          </p:nvCxnSpPr>
+          <p:spPr>
+            <a:xfrm>
+              <a:off x="9454551" y="3631721"/>
+              <a:ext cx="332387" cy="78267"/>
+            </a:xfrm>
+            <a:prstGeom prst="line">
+              <a:avLst/>
+            </a:prstGeom>
+            <a:ln>
+              <a:solidFill>
+                <a:srgbClr val="FF0000"/>
+              </a:solidFill>
+            </a:ln>
+          </p:spPr>
+          <p:style>
+            <a:lnRef idx="1">
+              <a:schemeClr val="accent1"/>
+            </a:lnRef>
+            <a:fillRef idx="0">
+              <a:schemeClr val="accent1"/>
+            </a:fillRef>
+            <a:effectRef idx="0">
+              <a:schemeClr val="accent1"/>
+            </a:effectRef>
+            <a:fontRef idx="minor">
+              <a:schemeClr val="tx1"/>
+            </a:fontRef>
+          </p:style>
+        </p:cxnSp>
+        <p:sp>
+          <p:nvSpPr>
+            <p:cNvPr id="12" name="TextBox 11">
+              <a:extLst>
+                <a:ext uri="{FF2B5EF4-FFF2-40B4-BE49-F238E27FC236}">
+                  <a16:creationId xmlns:a16="http://schemas.microsoft.com/office/drawing/2014/main" id="{46C1B078-477B-FAE8-00FE-77FCFC3EE7BE}"/>
+                </a:ext>
+              </a:extLst>
+            </p:cNvPr>
+            <p:cNvSpPr txBox="1"/>
+            <p:nvPr/>
+          </p:nvSpPr>
+          <p:spPr>
+            <a:xfrm rot="21218621">
+              <a:off x="9701396" y="3420102"/>
+              <a:ext cx="880369" cy="246221"/>
+            </a:xfrm>
+            <a:prstGeom prst="rect">
+              <a:avLst/>
+            </a:prstGeom>
+            <a:noFill/>
+          </p:spPr>
+          <p:txBody>
+            <a:bodyPr wrap="none" rtlCol="0">
+              <a:spAutoFit/>
+            </a:bodyPr>
+            <a:lstStyle/>
+            <a:p>
+              <a:pPr algn="l"/>
+              <a:r>
+                <a:rPr lang="en-GB" sz="1000" b="1" dirty="0">
+                  <a:solidFill>
+                    <a:srgbClr val="FF0000"/>
+                  </a:solidFill>
+                  <a:latin typeface="Bradley Hand ITC" panose="03070402050302030203" pitchFamily="66" charset="0"/>
+                </a:rPr>
+                <a:t>Data Science</a:t>
+              </a:r>
+            </a:p>
+          </p:txBody>
+        </p:sp>
+      </p:grpSp>
     </p:spTree>
     <p:extLst>
       <p:ext uri="{BB962C8B-B14F-4D97-AF65-F5344CB8AC3E}">
@@ -7215,7 +7587,13 @@
   <p:cSld>
     <p:spTree>
       <p:nvGrpSpPr>
-        <p:cNvPr id="1" name=""/>
+        <p:cNvPr id="1" name="">
+          <a:extLst>
+            <a:ext uri="{FF2B5EF4-FFF2-40B4-BE49-F238E27FC236}">
+              <a16:creationId xmlns:a16="http://schemas.microsoft.com/office/drawing/2014/main" id="{145565F2-0156-FED7-31E6-4705084B13C5}"/>
+            </a:ext>
+          </a:extLst>
+        </p:cNvPr>
         <p:cNvGrpSpPr/>
         <p:nvPr/>
       </p:nvGrpSpPr>
@@ -7229,7 +7607,13 @@
       </p:grpSpPr>
       <p:sp>
         <p:nvSpPr>
-          <p:cNvPr id="11" name="Title 10" descr="Heading"/>
+          <p:cNvPr id="4" name="Title 3" descr="Heading">
+            <a:extLst>
+              <a:ext uri="{FF2B5EF4-FFF2-40B4-BE49-F238E27FC236}">
+                <a16:creationId xmlns:a16="http://schemas.microsoft.com/office/drawing/2014/main" id="{E676F6B7-77E5-05C6-C24E-95123F219196}"/>
+              </a:ext>
+            </a:extLst>
+          </p:cNvPr>
           <p:cNvSpPr>
             <a:spLocks noGrp="1"/>
           </p:cNvSpPr>
@@ -7242,37 +7626,24 @@
           <a:bodyPr/>
           <a:lstStyle/>
           <a:p>
-            <a:endParaRPr lang="en-GB"/>
-          </a:p>
-        </p:txBody>
-      </p:sp>
-      <p:sp>
-        <p:nvSpPr>
-          <p:cNvPr id="12" name="Text Placeholder 11" descr="Text"/>
+            <a:endParaRPr lang="en-GB" dirty="0"/>
+          </a:p>
+        </p:txBody>
+      </p:sp>
+      <p:sp>
+        <p:nvSpPr>
+          <p:cNvPr id="5" name="Text Placeholder 4" descr="Text">
+            <a:extLst>
+              <a:ext uri="{FF2B5EF4-FFF2-40B4-BE49-F238E27FC236}">
+                <a16:creationId xmlns:a16="http://schemas.microsoft.com/office/drawing/2014/main" id="{BBFECEA1-6C29-2C1A-C90D-0F34D8DCA69C}"/>
+              </a:ext>
+            </a:extLst>
+          </p:cNvPr>
           <p:cNvSpPr>
             <a:spLocks noGrp="1"/>
           </p:cNvSpPr>
           <p:nvPr>
             <p:ph type="body" sz="quarter" idx="13"/>
-          </p:nvPr>
-        </p:nvSpPr>
-        <p:spPr/>
-        <p:txBody>
-          <a:bodyPr/>
-          <a:lstStyle/>
-          <a:p>
-            <a:endParaRPr lang="en-GB"/>
-          </a:p>
-        </p:txBody>
-      </p:sp>
-      <p:sp>
-        <p:nvSpPr>
-          <p:cNvPr id="13" name="Text Placeholder 12" descr="Text"/>
-          <p:cNvSpPr>
-            <a:spLocks noGrp="1"/>
-          </p:cNvSpPr>
-          <p:nvPr>
-            <p:ph type="body" sz="quarter" idx="15"/>
           </p:nvPr>
         </p:nvSpPr>
         <p:spPr/>
@@ -7287,7 +7658,265 @@
     </p:spTree>
     <p:extLst>
       <p:ext uri="{BB962C8B-B14F-4D97-AF65-F5344CB8AC3E}">
-        <p14:creationId xmlns:p14="http://schemas.microsoft.com/office/powerpoint/2010/main" val="242822414"/>
+        <p14:creationId xmlns:p14="http://schemas.microsoft.com/office/powerpoint/2010/main" val="277499522"/>
+      </p:ext>
+    </p:extLst>
+  </p:cSld>
+  <p:clrMapOvr>
+    <a:masterClrMapping/>
+  </p:clrMapOvr>
+</p:sld>
+</file>
+
+<file path=ppt/slides/slide4.xml><?xml version="1.0" encoding="utf-8"?>
+<p:sld xmlns:a="http://schemas.openxmlformats.org/drawingml/2006/main" xmlns:r="http://schemas.openxmlformats.org/officeDocument/2006/relationships" xmlns:p="http://schemas.openxmlformats.org/presentationml/2006/main">
+  <p:cSld>
+    <p:spTree>
+      <p:nvGrpSpPr>
+        <p:cNvPr id="1" name="">
+          <a:extLst>
+            <a:ext uri="{FF2B5EF4-FFF2-40B4-BE49-F238E27FC236}">
+              <a16:creationId xmlns:a16="http://schemas.microsoft.com/office/drawing/2014/main" id="{13412D99-55C8-414C-2E94-AB984F2046E1}"/>
+            </a:ext>
+          </a:extLst>
+        </p:cNvPr>
+        <p:cNvGrpSpPr/>
+        <p:nvPr/>
+      </p:nvGrpSpPr>
+      <p:grpSpPr>
+        <a:xfrm>
+          <a:off x="0" y="0"/>
+          <a:ext cx="0" cy="0"/>
+          <a:chOff x="0" y="0"/>
+          <a:chExt cx="0" cy="0"/>
+        </a:xfrm>
+      </p:grpSpPr>
+      <p:sp>
+        <p:nvSpPr>
+          <p:cNvPr id="4" name="Title 3" descr="Heading">
+            <a:extLst>
+              <a:ext uri="{FF2B5EF4-FFF2-40B4-BE49-F238E27FC236}">
+                <a16:creationId xmlns:a16="http://schemas.microsoft.com/office/drawing/2014/main" id="{9FE6A0D4-AF6A-FD81-5E84-1E423FD8F4F7}"/>
+              </a:ext>
+            </a:extLst>
+          </p:cNvPr>
+          <p:cNvSpPr>
+            <a:spLocks noGrp="1"/>
+          </p:cNvSpPr>
+          <p:nvPr>
+            <p:ph type="title"/>
+          </p:nvPr>
+        </p:nvSpPr>
+        <p:spPr/>
+        <p:txBody>
+          <a:bodyPr/>
+          <a:lstStyle/>
+          <a:p>
+            <a:endParaRPr lang="en-GB" dirty="0"/>
+          </a:p>
+        </p:txBody>
+      </p:sp>
+      <p:sp>
+        <p:nvSpPr>
+          <p:cNvPr id="5" name="Text Placeholder 4" descr="Text">
+            <a:extLst>
+              <a:ext uri="{FF2B5EF4-FFF2-40B4-BE49-F238E27FC236}">
+                <a16:creationId xmlns:a16="http://schemas.microsoft.com/office/drawing/2014/main" id="{B9812E59-03B0-ED03-CF91-DA977BCDA453}"/>
+              </a:ext>
+            </a:extLst>
+          </p:cNvPr>
+          <p:cNvSpPr>
+            <a:spLocks noGrp="1"/>
+          </p:cNvSpPr>
+          <p:nvPr>
+            <p:ph type="body" sz="quarter" idx="13"/>
+          </p:nvPr>
+        </p:nvSpPr>
+        <p:spPr/>
+        <p:txBody>
+          <a:bodyPr/>
+          <a:lstStyle/>
+          <a:p>
+            <a:endParaRPr lang="en-GB"/>
+          </a:p>
+        </p:txBody>
+      </p:sp>
+    </p:spTree>
+    <p:extLst>
+      <p:ext uri="{BB962C8B-B14F-4D97-AF65-F5344CB8AC3E}">
+        <p14:creationId xmlns:p14="http://schemas.microsoft.com/office/powerpoint/2010/main" val="1248453334"/>
+      </p:ext>
+    </p:extLst>
+  </p:cSld>
+  <p:clrMapOvr>
+    <a:masterClrMapping/>
+  </p:clrMapOvr>
+</p:sld>
+</file>
+
+<file path=ppt/slides/slide5.xml><?xml version="1.0" encoding="utf-8"?>
+<p:sld xmlns:a="http://schemas.openxmlformats.org/drawingml/2006/main" xmlns:r="http://schemas.openxmlformats.org/officeDocument/2006/relationships" xmlns:p="http://schemas.openxmlformats.org/presentationml/2006/main">
+  <p:cSld>
+    <p:spTree>
+      <p:nvGrpSpPr>
+        <p:cNvPr id="1" name="">
+          <a:extLst>
+            <a:ext uri="{FF2B5EF4-FFF2-40B4-BE49-F238E27FC236}">
+              <a16:creationId xmlns:a16="http://schemas.microsoft.com/office/drawing/2014/main" id="{326A7D84-97A9-C1E6-071A-5FB9A7E70F88}"/>
+            </a:ext>
+          </a:extLst>
+        </p:cNvPr>
+        <p:cNvGrpSpPr/>
+        <p:nvPr/>
+      </p:nvGrpSpPr>
+      <p:grpSpPr>
+        <a:xfrm>
+          <a:off x="0" y="0"/>
+          <a:ext cx="0" cy="0"/>
+          <a:chOff x="0" y="0"/>
+          <a:chExt cx="0" cy="0"/>
+        </a:xfrm>
+      </p:grpSpPr>
+      <p:sp>
+        <p:nvSpPr>
+          <p:cNvPr id="4" name="Title 3" descr="Heading">
+            <a:extLst>
+              <a:ext uri="{FF2B5EF4-FFF2-40B4-BE49-F238E27FC236}">
+                <a16:creationId xmlns:a16="http://schemas.microsoft.com/office/drawing/2014/main" id="{4A0BBBCF-5759-1D2A-C04D-DA826C392755}"/>
+              </a:ext>
+            </a:extLst>
+          </p:cNvPr>
+          <p:cNvSpPr>
+            <a:spLocks noGrp="1"/>
+          </p:cNvSpPr>
+          <p:nvPr>
+            <p:ph type="title"/>
+          </p:nvPr>
+        </p:nvSpPr>
+        <p:spPr/>
+        <p:txBody>
+          <a:bodyPr/>
+          <a:lstStyle/>
+          <a:p>
+            <a:endParaRPr lang="en-GB" dirty="0"/>
+          </a:p>
+        </p:txBody>
+      </p:sp>
+      <p:sp>
+        <p:nvSpPr>
+          <p:cNvPr id="5" name="Text Placeholder 4" descr="Text">
+            <a:extLst>
+              <a:ext uri="{FF2B5EF4-FFF2-40B4-BE49-F238E27FC236}">
+                <a16:creationId xmlns:a16="http://schemas.microsoft.com/office/drawing/2014/main" id="{791E7CC0-279A-7D47-3580-AF8CD599FE24}"/>
+              </a:ext>
+            </a:extLst>
+          </p:cNvPr>
+          <p:cNvSpPr>
+            <a:spLocks noGrp="1"/>
+          </p:cNvSpPr>
+          <p:nvPr>
+            <p:ph type="body" sz="quarter" idx="13"/>
+          </p:nvPr>
+        </p:nvSpPr>
+        <p:spPr/>
+        <p:txBody>
+          <a:bodyPr/>
+          <a:lstStyle/>
+          <a:p>
+            <a:endParaRPr lang="en-GB"/>
+          </a:p>
+        </p:txBody>
+      </p:sp>
+    </p:spTree>
+    <p:extLst>
+      <p:ext uri="{BB962C8B-B14F-4D97-AF65-F5344CB8AC3E}">
+        <p14:creationId xmlns:p14="http://schemas.microsoft.com/office/powerpoint/2010/main" val="208586064"/>
+      </p:ext>
+    </p:extLst>
+  </p:cSld>
+  <p:clrMapOvr>
+    <a:masterClrMapping/>
+  </p:clrMapOvr>
+</p:sld>
+</file>
+
+<file path=ppt/slides/slide6.xml><?xml version="1.0" encoding="utf-8"?>
+<p:sld xmlns:a="http://schemas.openxmlformats.org/drawingml/2006/main" xmlns:r="http://schemas.openxmlformats.org/officeDocument/2006/relationships" xmlns:p="http://schemas.openxmlformats.org/presentationml/2006/main">
+  <p:cSld>
+    <p:spTree>
+      <p:nvGrpSpPr>
+        <p:cNvPr id="1" name="">
+          <a:extLst>
+            <a:ext uri="{FF2B5EF4-FFF2-40B4-BE49-F238E27FC236}">
+              <a16:creationId xmlns:a16="http://schemas.microsoft.com/office/drawing/2014/main" id="{C5543A16-187A-256C-0361-FC743CDF1E1D}"/>
+            </a:ext>
+          </a:extLst>
+        </p:cNvPr>
+        <p:cNvGrpSpPr/>
+        <p:nvPr/>
+      </p:nvGrpSpPr>
+      <p:grpSpPr>
+        <a:xfrm>
+          <a:off x="0" y="0"/>
+          <a:ext cx="0" cy="0"/>
+          <a:chOff x="0" y="0"/>
+          <a:chExt cx="0" cy="0"/>
+        </a:xfrm>
+      </p:grpSpPr>
+      <p:sp>
+        <p:nvSpPr>
+          <p:cNvPr id="4" name="Title 3" descr="Heading">
+            <a:extLst>
+              <a:ext uri="{FF2B5EF4-FFF2-40B4-BE49-F238E27FC236}">
+                <a16:creationId xmlns:a16="http://schemas.microsoft.com/office/drawing/2014/main" id="{C2EBCC81-E874-051B-83DF-AC491216848D}"/>
+              </a:ext>
+            </a:extLst>
+          </p:cNvPr>
+          <p:cNvSpPr>
+            <a:spLocks noGrp="1"/>
+          </p:cNvSpPr>
+          <p:nvPr>
+            <p:ph type="title"/>
+          </p:nvPr>
+        </p:nvSpPr>
+        <p:spPr/>
+        <p:txBody>
+          <a:bodyPr/>
+          <a:lstStyle/>
+          <a:p>
+            <a:endParaRPr lang="en-GB" dirty="0"/>
+          </a:p>
+        </p:txBody>
+      </p:sp>
+      <p:sp>
+        <p:nvSpPr>
+          <p:cNvPr id="5" name="Text Placeholder 4" descr="Text">
+            <a:extLst>
+              <a:ext uri="{FF2B5EF4-FFF2-40B4-BE49-F238E27FC236}">
+                <a16:creationId xmlns:a16="http://schemas.microsoft.com/office/drawing/2014/main" id="{7AFD797A-B105-5152-CB71-25B956CE24A2}"/>
+              </a:ext>
+            </a:extLst>
+          </p:cNvPr>
+          <p:cNvSpPr>
+            <a:spLocks noGrp="1"/>
+          </p:cNvSpPr>
+          <p:nvPr>
+            <p:ph type="body" sz="quarter" idx="13"/>
+          </p:nvPr>
+        </p:nvSpPr>
+        <p:spPr/>
+        <p:txBody>
+          <a:bodyPr/>
+          <a:lstStyle/>
+          <a:p>
+            <a:endParaRPr lang="en-GB"/>
+          </a:p>
+        </p:txBody>
+      </p:sp>
+    </p:spTree>
+    <p:extLst>
+      <p:ext uri="{BB962C8B-B14F-4D97-AF65-F5344CB8AC3E}">
+        <p14:creationId xmlns:p14="http://schemas.microsoft.com/office/powerpoint/2010/main" val="3951904240"/>
       </p:ext>
     </p:extLst>
   </p:cSld>
